--- a/2024/Задание.pptx
+++ b/2024/Задание.pptx
@@ -5,7 +5,7 @@
     <p:sldMasterId id="2147483648" r:id="rId1"/>
   </p:sldMasterIdLst>
   <p:notesMasterIdLst>
-    <p:notesMasterId r:id="rId39"/>
+    <p:notesMasterId r:id="rId41"/>
   </p:notesMasterIdLst>
   <p:sldIdLst>
     <p:sldId id="256" r:id="rId2"/>
@@ -43,46 +43,48 @@
     <p:sldId id="358" r:id="rId34"/>
     <p:sldId id="359" r:id="rId35"/>
     <p:sldId id="360" r:id="rId36"/>
-    <p:sldId id="305" r:id="rId37"/>
-    <p:sldId id="334" r:id="rId38"/>
+    <p:sldId id="361" r:id="rId37"/>
+    <p:sldId id="362" r:id="rId38"/>
+    <p:sldId id="305" r:id="rId39"/>
+    <p:sldId id="334" r:id="rId40"/>
   </p:sldIdLst>
   <p:sldSz cx="12192000" cy="6858000"/>
   <p:notesSz cx="6858000" cy="9144000"/>
   <p:embeddedFontLst>
     <p:embeddedFont>
       <p:font typeface="Roboto Light" panose="02000000000000000000" pitchFamily="2" charset="0"/>
-      <p:regular r:id="rId40"/>
-      <p:bold r:id="rId41"/>
-      <p:italic r:id="rId42"/>
-      <p:boldItalic r:id="rId43"/>
+      <p:regular r:id="rId42"/>
+      <p:bold r:id="rId43"/>
+      <p:italic r:id="rId44"/>
+      <p:boldItalic r:id="rId45"/>
     </p:embeddedFont>
     <p:embeddedFont>
       <p:font typeface="Roboto Medium" panose="02000000000000000000" pitchFamily="2" charset="0"/>
-      <p:regular r:id="rId44"/>
-      <p:bold r:id="rId45"/>
-      <p:italic r:id="rId46"/>
-      <p:boldItalic r:id="rId47"/>
+      <p:regular r:id="rId46"/>
+      <p:bold r:id="rId47"/>
+      <p:italic r:id="rId48"/>
+      <p:boldItalic r:id="rId49"/>
     </p:embeddedFont>
     <p:embeddedFont>
       <p:font typeface="Calibri" panose="020F0502020204030204" pitchFamily="34" charset="0"/>
-      <p:regular r:id="rId48"/>
-      <p:bold r:id="rId49"/>
-      <p:italic r:id="rId50"/>
-      <p:boldItalic r:id="rId51"/>
+      <p:regular r:id="rId50"/>
+      <p:bold r:id="rId51"/>
+      <p:italic r:id="rId52"/>
+      <p:boldItalic r:id="rId53"/>
+    </p:embeddedFont>
+    <p:embeddedFont>
+      <p:font typeface="Raleway" pitchFamily="2" charset="-52"/>
+      <p:regular r:id="rId54"/>
+      <p:bold r:id="rId55"/>
+      <p:italic r:id="rId56"/>
+      <p:boldItalic r:id="rId57"/>
     </p:embeddedFont>
     <p:embeddedFont>
       <p:font typeface="Roboto" panose="02000000000000000000" pitchFamily="2" charset="0"/>
-      <p:regular r:id="rId52"/>
-      <p:bold r:id="rId53"/>
-      <p:italic r:id="rId54"/>
-      <p:boldItalic r:id="rId55"/>
-    </p:embeddedFont>
-    <p:embeddedFont>
-      <p:font typeface="Raleway" pitchFamily="2" charset="-52"/>
-      <p:regular r:id="rId56"/>
-      <p:bold r:id="rId57"/>
-      <p:italic r:id="rId58"/>
-      <p:boldItalic r:id="rId59"/>
+      <p:regular r:id="rId58"/>
+      <p:bold r:id="rId59"/>
+      <p:italic r:id="rId60"/>
+      <p:boldItalic r:id="rId61"/>
     </p:embeddedFont>
   </p:embeddedFontLst>
   <p:defaultTextStyle>
@@ -335,7 +337,7 @@
       </p15:sldGuideLst>
     </p:ext>
     <p:ext uri="http://customooxmlschemas.google.com/">
-      <go:slidesCustomData xmlns="" xmlns:mc="http://schemas.openxmlformats.org/markup-compatibility/2006" xmlns:mv="urn:schemas-microsoft-com:mac:vml" xmlns:c="http://schemas.openxmlformats.org/drawingml/2006/chart" xmlns:dgm="http://schemas.openxmlformats.org/drawingml/2006/diagram" xmlns:o="urn:schemas-microsoft-com:office:office" xmlns:v="urn:schemas-microsoft-com:vml" xmlns:pvml="urn:schemas-microsoft-com:office:powerpoint" xmlns:com="http://schemas.openxmlformats.org/drawingml/2006/compatibility" xmlns:p14="http://schemas.microsoft.com/office/powerpoint/2010/main" xmlns:p15="http://schemas.microsoft.com/office/powerpoint/2012/main" xmlns:ahyp="http://schemas.microsoft.com/office/drawing/2018/hyperlinkcolor" xmlns:go="http://customooxmlschemas.google.com/" r:id="rId60" roundtripDataSignature="AMtx7mj3sTd9pDXQHbOoTcPDxTbIlpDeXA=="/>
+      <go:slidesCustomData xmlns:go="http://customooxmlschemas.google.com/" xmlns:ahyp="http://schemas.microsoft.com/office/drawing/2018/hyperlinkcolor" xmlns:p15="http://schemas.microsoft.com/office/powerpoint/2012/main" xmlns:p14="http://schemas.microsoft.com/office/powerpoint/2010/main" xmlns:com="http://schemas.openxmlformats.org/drawingml/2006/compatibility" xmlns:pvml="urn:schemas-microsoft-com:office:powerpoint" xmlns:v="urn:schemas-microsoft-com:vml" xmlns:o="urn:schemas-microsoft-com:office:office" xmlns:dgm="http://schemas.openxmlformats.org/drawingml/2006/diagram" xmlns:c="http://schemas.openxmlformats.org/drawingml/2006/chart" xmlns:mv="urn:schemas-microsoft-com:mac:vml" xmlns:mc="http://schemas.openxmlformats.org/markup-compatibility/2006" xmlns="" r:id="rId62" roundtripDataSignature="AMtx7mj3sTd9pDXQHbOoTcPDxTbIlpDeXA=="/>
     </p:ext>
   </p:extLst>
 </p:presentation>
@@ -18799,14 +18801,6 @@
               </a:rPr>
               <a:t>.</a:t>
             </a:r>
-            <a:endParaRPr lang="ru-RU" sz="2000" dirty="0">
-              <a:solidFill>
-                <a:srgbClr val="18191A"/>
-              </a:solidFill>
-              <a:latin typeface="Roboto" panose="02000000000000000000" pitchFamily="2" charset="0"/>
-              <a:ea typeface="Roboto" panose="02000000000000000000" pitchFamily="2" charset="0"/>
-              <a:cs typeface="Roboto" panose="02000000000000000000" pitchFamily="2" charset="0"/>
-            </a:endParaRPr>
           </a:p>
         </p:txBody>
       </p:sp>
@@ -18840,11 +18834,6 @@
               </a:rPr>
               <a:t>Вариант 3</a:t>
             </a:r>
-            <a:endParaRPr lang="ru-RU" sz="2800" dirty="0">
-              <a:solidFill>
-                <a:srgbClr val="C00000"/>
-              </a:solidFill>
-            </a:endParaRPr>
           </a:p>
         </p:txBody>
       </p:sp>
@@ -19145,14 +19134,6 @@
               </a:rPr>
               <a:t>Коэффициент идеальности = Сумма полезных функций / (Затраты + Нежелательные эффекты).</a:t>
             </a:r>
-            <a:endParaRPr lang="ru-RU" b="1" i="1" dirty="0">
-              <a:solidFill>
-                <a:srgbClr val="18191A"/>
-              </a:solidFill>
-              <a:latin typeface="Roboto" panose="02000000000000000000" pitchFamily="2" charset="0"/>
-              <a:ea typeface="Roboto" panose="02000000000000000000" pitchFamily="2" charset="0"/>
-              <a:cs typeface="Roboto" panose="02000000000000000000" pitchFamily="2" charset="0"/>
-            </a:endParaRPr>
           </a:p>
         </p:txBody>
       </p:sp>
@@ -20090,14 +20071,6 @@
               </a:rPr>
               <a:t>задач где нужен ИИ</a:t>
             </a:r>
-            <a:endParaRPr lang="ru-RU" sz="2700" b="1" dirty="0">
-              <a:solidFill>
-                <a:schemeClr val="tx1"/>
-              </a:solidFill>
-              <a:latin typeface="Roboto"/>
-              <a:ea typeface="Roboto"/>
-              <a:cs typeface="Roboto"/>
-            </a:endParaRPr>
           </a:p>
         </p:txBody>
       </p:sp>
@@ -21029,14 +21002,6 @@
               </a:rPr>
               <a:t> — трудозатраты</a:t>
             </a:r>
-            <a:endParaRPr lang="ru-RU" dirty="0">
-              <a:solidFill>
-                <a:srgbClr val="333333"/>
-              </a:solidFill>
-              <a:latin typeface="Roboto" panose="02000000000000000000" pitchFamily="2" charset="0"/>
-              <a:ea typeface="Roboto" panose="02000000000000000000" pitchFamily="2" charset="0"/>
-              <a:cs typeface="Roboto" panose="02000000000000000000" pitchFamily="2" charset="0"/>
-            </a:endParaRPr>
           </a:p>
         </p:txBody>
       </p:sp>
@@ -21553,15 +21518,6 @@
               </a:rPr>
               <a:t>Уточенные требования к модели</a:t>
             </a:r>
-            <a:endParaRPr lang="ru-RU" sz="2700" b="1" dirty="0">
-              <a:solidFill>
-                <a:schemeClr val="tx1"/>
-              </a:solidFill>
-              <a:latin typeface="Roboto"/>
-              <a:ea typeface="Roboto"/>
-              <a:cs typeface="Roboto"/>
-              <a:sym typeface="Roboto Medium"/>
-            </a:endParaRPr>
           </a:p>
         </p:txBody>
       </p:sp>
@@ -21674,15 +21630,6 @@
               </a:rPr>
               <a:t>Возможность ручного выделения признаков?</a:t>
             </a:r>
-            <a:endParaRPr lang="ru-RU" sz="2000" dirty="0" smtClean="0">
-              <a:solidFill>
-                <a:schemeClr val="tx1"/>
-              </a:solidFill>
-              <a:latin typeface="Arial" panose="020B0604020202020204" pitchFamily="34" charset="0"/>
-              <a:ea typeface="Roboto"/>
-              <a:cs typeface="Arial" panose="020B0604020202020204" pitchFamily="34" charset="0"/>
-              <a:sym typeface="Roboto"/>
-            </a:endParaRPr>
           </a:p>
           <a:p>
             <a:pPr marL="457200" indent="-355600">
@@ -21818,8 +21765,24 @@
                 <a:cs typeface="Arial" panose="020B0604020202020204" pitchFamily="34" charset="0"/>
                 <a:sym typeface="Roboto"/>
               </a:rPr>
-              <a:t>Белый </a:t>
-            </a:r>
+              <a:t>Белый ящик, нужен ли ИИ, только ли ИИ)</a:t>
+            </a:r>
+          </a:p>
+          <a:p>
+            <a:pPr marL="457200" marR="0" lvl="0" indent="-355600" algn="l" rtl="0">
+              <a:spcBef>
+                <a:spcPts val="300"/>
+              </a:spcBef>
+              <a:spcAft>
+                <a:spcPts val="0"/>
+              </a:spcAft>
+              <a:buClr>
+                <a:schemeClr val="dk2"/>
+              </a:buClr>
+              <a:buSzPts val="2000"/>
+              <a:buFont typeface="Roboto"/>
+              <a:buChar char="○"/>
+            </a:pPr>
             <a:r>
               <a:rPr lang="ru-RU" sz="2000" dirty="0" smtClean="0">
                 <a:solidFill>
@@ -21830,17 +21793,62 @@
                 <a:cs typeface="Arial" panose="020B0604020202020204" pitchFamily="34" charset="0"/>
                 <a:sym typeface="Roboto"/>
               </a:rPr>
-              <a:t>ящик, нужен ли ИИ, только ли ИИ)</a:t>
-            </a:r>
-          </a:p>
-          <a:p>
-            <a:pPr marL="457200" marR="0" lvl="0" indent="-355600" algn="l" rtl="0">
+              <a:t>Какие </a:t>
+            </a:r>
+            <a:r>
+              <a:rPr lang="en-US" sz="2000" dirty="0" smtClean="0">
+                <a:solidFill>
+                  <a:schemeClr val="tx1"/>
+                </a:solidFill>
+                <a:latin typeface="Arial" panose="020B0604020202020204" pitchFamily="34" charset="0"/>
+                <a:ea typeface="Roboto"/>
+                <a:cs typeface="Arial" panose="020B0604020202020204" pitchFamily="34" charset="0"/>
+                <a:sym typeface="Roboto"/>
+              </a:rPr>
+              <a:t>DS </a:t>
+            </a:r>
+            <a:r>
+              <a:rPr lang="ru-RU" sz="2000" dirty="0" smtClean="0">
+                <a:solidFill>
+                  <a:schemeClr val="tx1"/>
+                </a:solidFill>
+                <a:latin typeface="Arial" panose="020B0604020202020204" pitchFamily="34" charset="0"/>
+                <a:ea typeface="Roboto"/>
+                <a:cs typeface="Arial" panose="020B0604020202020204" pitchFamily="34" charset="0"/>
+                <a:sym typeface="Roboto"/>
+              </a:rPr>
+              <a:t>метрики используем и почему, как они связаны с </a:t>
+            </a:r>
+            <a:r>
+              <a:rPr lang="ru-RU" sz="2000" dirty="0" err="1" smtClean="0">
+                <a:solidFill>
+                  <a:schemeClr val="tx1"/>
+                </a:solidFill>
+                <a:latin typeface="Arial" panose="020B0604020202020204" pitchFamily="34" charset="0"/>
+                <a:ea typeface="Roboto"/>
+                <a:cs typeface="Arial" panose="020B0604020202020204" pitchFamily="34" charset="0"/>
+                <a:sym typeface="Roboto"/>
+              </a:rPr>
+              <a:t>Бизнесс</a:t>
+            </a:r>
+            <a:r>
+              <a:rPr lang="ru-RU" sz="2000" dirty="0" smtClean="0">
+                <a:solidFill>
+                  <a:schemeClr val="tx1"/>
+                </a:solidFill>
+                <a:latin typeface="Arial" panose="020B0604020202020204" pitchFamily="34" charset="0"/>
+                <a:ea typeface="Roboto"/>
+                <a:cs typeface="Arial" panose="020B0604020202020204" pitchFamily="34" charset="0"/>
+                <a:sym typeface="Roboto"/>
+              </a:rPr>
+              <a:t> метриками</a:t>
+            </a:r>
+          </a:p>
+          <a:p>
+            <a:pPr marL="457200" indent="-355600">
               <a:spcBef>
                 <a:spcPts val="300"/>
               </a:spcBef>
-              <a:spcAft>
-                <a:spcPts val="0"/>
-              </a:spcAft>
               <a:buClr>
                 <a:schemeClr val="dk2"/>
               </a:buClr>
@@ -21849,77 +21857,52 @@
               <a:buChar char="○"/>
             </a:pPr>
             <a:r>
+              <a:rPr lang="ru-RU" sz="2000" dirty="0">
+                <a:solidFill>
+                  <a:schemeClr val="tx1"/>
+                </a:solidFill>
+                <a:ea typeface="Roboto"/>
+                <a:cs typeface="Roboto"/>
+                <a:sym typeface="Roboto"/>
+              </a:rPr>
+              <a:t>Необходимо ли использование </a:t>
+            </a:r>
+            <a:r>
+              <a:rPr lang="ru-RU" sz="2000" dirty="0" err="1">
+                <a:solidFill>
+                  <a:schemeClr val="tx1"/>
+                </a:solidFill>
+                <a:ea typeface="Roboto"/>
+                <a:cs typeface="Roboto"/>
+                <a:sym typeface="Roboto"/>
+              </a:rPr>
+              <a:t>дискреминативного</a:t>
+            </a:r>
+            <a:r>
+              <a:rPr lang="ru-RU" sz="2000" dirty="0">
+                <a:solidFill>
+                  <a:schemeClr val="tx1"/>
+                </a:solidFill>
+                <a:ea typeface="Roboto"/>
+                <a:cs typeface="Roboto"/>
+                <a:sym typeface="Roboto"/>
+              </a:rPr>
+              <a:t> подхода</a:t>
+            </a:r>
+            <a:r>
               <a:rPr lang="ru-RU" sz="2000" dirty="0" smtClean="0">
                 <a:solidFill>
                   <a:schemeClr val="tx1"/>
                 </a:solidFill>
-                <a:latin typeface="Arial" panose="020B0604020202020204" pitchFamily="34" charset="0"/>
                 <a:ea typeface="Roboto"/>
-                <a:cs typeface="Arial" panose="020B0604020202020204" pitchFamily="34" charset="0"/>
+                <a:cs typeface="Roboto"/>
                 <a:sym typeface="Roboto"/>
               </a:rPr>
-              <a:t>Какие </a:t>
-            </a:r>
-            <a:r>
-              <a:rPr lang="en-US" sz="2000" dirty="0" smtClean="0">
-                <a:solidFill>
-                  <a:schemeClr val="tx1"/>
-                </a:solidFill>
-                <a:latin typeface="Arial" panose="020B0604020202020204" pitchFamily="34" charset="0"/>
-                <a:ea typeface="Roboto"/>
-                <a:cs typeface="Arial" panose="020B0604020202020204" pitchFamily="34" charset="0"/>
-                <a:sym typeface="Roboto"/>
-              </a:rPr>
-              <a:t>DS </a:t>
-            </a:r>
-            <a:r>
-              <a:rPr lang="ru-RU" sz="2000" dirty="0" smtClean="0">
-                <a:solidFill>
-                  <a:schemeClr val="tx1"/>
-                </a:solidFill>
-                <a:latin typeface="Arial" panose="020B0604020202020204" pitchFamily="34" charset="0"/>
-                <a:ea typeface="Roboto"/>
-                <a:cs typeface="Arial" panose="020B0604020202020204" pitchFamily="34" charset="0"/>
-                <a:sym typeface="Roboto"/>
-              </a:rPr>
-              <a:t>метрики используем и почему, как они связаны с </a:t>
-            </a:r>
-            <a:r>
-              <a:rPr lang="ru-RU" sz="2000" dirty="0" err="1" smtClean="0">
-                <a:solidFill>
-                  <a:schemeClr val="tx1"/>
-                </a:solidFill>
-                <a:latin typeface="Arial" panose="020B0604020202020204" pitchFamily="34" charset="0"/>
-                <a:ea typeface="Roboto"/>
-                <a:cs typeface="Arial" panose="020B0604020202020204" pitchFamily="34" charset="0"/>
-                <a:sym typeface="Roboto"/>
-              </a:rPr>
-              <a:t>Бизнесс</a:t>
-            </a:r>
-            <a:r>
-              <a:rPr lang="ru-RU" sz="2000" dirty="0" smtClean="0">
-                <a:solidFill>
-                  <a:schemeClr val="tx1"/>
-                </a:solidFill>
-                <a:latin typeface="Arial" panose="020B0604020202020204" pitchFamily="34" charset="0"/>
-                <a:ea typeface="Roboto"/>
-                <a:cs typeface="Arial" panose="020B0604020202020204" pitchFamily="34" charset="0"/>
-                <a:sym typeface="Roboto"/>
-              </a:rPr>
-              <a:t> метриками</a:t>
-            </a:r>
-            <a:endParaRPr lang="ru-RU" sz="2000" dirty="0" smtClean="0">
-              <a:solidFill>
-                <a:schemeClr val="tx1"/>
-              </a:solidFill>
-              <a:latin typeface="Arial" panose="020B0604020202020204" pitchFamily="34" charset="0"/>
-              <a:ea typeface="Roboto"/>
-              <a:cs typeface="Arial" panose="020B0604020202020204" pitchFamily="34" charset="0"/>
-              <a:sym typeface="Roboto"/>
-            </a:endParaRPr>
-          </a:p>
-          <a:p>
-            <a:pPr marL="457200" indent="-355600">
+              <a:t>?</a:t>
+            </a:r>
+          </a:p>
+          <a:p>
+            <a:pPr marL="457200" lvl="0" indent="-355600">
               <a:spcBef>
                 <a:spcPts val="300"/>
               </a:spcBef>
@@ -21939,40 +21922,7 @@
                 <a:cs typeface="Roboto"/>
                 <a:sym typeface="Roboto"/>
               </a:rPr>
-              <a:t>Необходимо ли использование </a:t>
-            </a:r>
-            <a:r>
-              <a:rPr lang="ru-RU" sz="2000" dirty="0" err="1">
-                <a:solidFill>
-                  <a:schemeClr val="tx1"/>
-                </a:solidFill>
-                <a:ea typeface="Roboto"/>
-                <a:cs typeface="Roboto"/>
-                <a:sym typeface="Roboto"/>
-              </a:rPr>
-              <a:t>дискреминативного</a:t>
-            </a:r>
-            <a:r>
-              <a:rPr lang="ru-RU" sz="2000" dirty="0">
-                <a:solidFill>
-                  <a:schemeClr val="tx1"/>
-                </a:solidFill>
-                <a:ea typeface="Roboto"/>
-                <a:cs typeface="Roboto"/>
-                <a:sym typeface="Roboto"/>
-              </a:rPr>
-              <a:t> подхода</a:t>
-            </a:r>
-            <a:r>
-              <a:rPr lang="ru-RU" sz="2000" dirty="0" smtClean="0">
-                <a:solidFill>
-                  <a:schemeClr val="tx1"/>
-                </a:solidFill>
-                <a:ea typeface="Roboto"/>
-                <a:cs typeface="Roboto"/>
-                <a:sym typeface="Roboto"/>
-              </a:rPr>
-              <a:t>?</a:t>
+              <a:t>Какое железо нужно для работы модели </a:t>
             </a:r>
           </a:p>
           <a:p>
@@ -21996,7 +21946,18 @@
                 <a:cs typeface="Roboto"/>
                 <a:sym typeface="Roboto"/>
               </a:rPr>
-              <a:t>Какое железо нужно для работы модели </a:t>
+              <a:t>Где будет модель (сервер, облако, конечное устройство</a:t>
+            </a:r>
+            <a:r>
+              <a:rPr lang="ru-RU" sz="2000" dirty="0" smtClean="0">
+                <a:solidFill>
+                  <a:schemeClr val="tx1"/>
+                </a:solidFill>
+                <a:ea typeface="Roboto"/>
+                <a:cs typeface="Roboto"/>
+                <a:sym typeface="Roboto"/>
+              </a:rPr>
+              <a:t>)</a:t>
             </a:r>
           </a:p>
           <a:p>
@@ -22012,7 +21973,7 @@
               <a:buChar char="○"/>
             </a:pPr>
             <a:r>
-              <a:rPr lang="ru-RU" sz="2000" dirty="0">
+              <a:rPr lang="ru-RU" sz="2000" dirty="0" smtClean="0">
                 <a:solidFill>
                   <a:schemeClr val="tx1"/>
                 </a:solidFill>
@@ -22020,10 +21981,10 @@
                 <a:cs typeface="Roboto"/>
                 <a:sym typeface="Roboto"/>
               </a:rPr>
-              <a:t>Где будет модель (сервер, облако, конечное устройство</a:t>
-            </a:r>
-            <a:r>
-              <a:rPr lang="ru-RU" sz="2000" dirty="0" smtClean="0">
+              <a:t>Факторы работы модели (реальное время, пакетная обработка, по запросу, по расписанию, и </a:t>
+            </a:r>
+            <a:r>
+              <a:rPr lang="ru-RU" sz="2000" dirty="0" err="1" smtClean="0">
                 <a:solidFill>
                   <a:schemeClr val="tx1"/>
                 </a:solidFill>
@@ -22031,23 +21992,10 @@
                 <a:cs typeface="Roboto"/>
                 <a:sym typeface="Roboto"/>
               </a:rPr>
-              <a:t>)</a:t>
-            </a:r>
-          </a:p>
-          <a:p>
-            <a:pPr marL="457200" lvl="0" indent="-355600">
-              <a:spcBef>
-                <a:spcPts val="300"/>
-              </a:spcBef>
-              <a:buClr>
-                <a:schemeClr val="dk2"/>
-              </a:buClr>
-              <a:buSzPts val="2000"/>
-              <a:buFont typeface="Roboto"/>
-              <a:buChar char="○"/>
-            </a:pPr>
-            <a:r>
-              <a:rPr lang="ru-RU" sz="2000" dirty="0" smtClean="0">
+              <a:t>тд</a:t>
+            </a:r>
+            <a:r>
+              <a:rPr lang="ru-RU" sz="2000" dirty="0">
                 <a:solidFill>
                   <a:schemeClr val="tx1"/>
                 </a:solidFill>
@@ -22055,38 +22003,8 @@
                 <a:cs typeface="Roboto"/>
                 <a:sym typeface="Roboto"/>
               </a:rPr>
-              <a:t>Факторы работы модели (реальное время, пакетная обработка, по запросу, по расписанию, и </a:t>
-            </a:r>
-            <a:r>
-              <a:rPr lang="ru-RU" sz="2000" dirty="0" err="1" smtClean="0">
-                <a:solidFill>
-                  <a:schemeClr val="tx1"/>
-                </a:solidFill>
-                <a:ea typeface="Roboto"/>
-                <a:cs typeface="Roboto"/>
-                <a:sym typeface="Roboto"/>
-              </a:rPr>
-              <a:t>тд</a:t>
-            </a:r>
-            <a:r>
-              <a:rPr lang="ru-RU" sz="2000" dirty="0">
-                <a:solidFill>
-                  <a:schemeClr val="tx1"/>
-                </a:solidFill>
-                <a:ea typeface="Roboto"/>
-                <a:cs typeface="Roboto"/>
-                <a:sym typeface="Roboto"/>
-              </a:rPr>
               <a:t>)</a:t>
             </a:r>
-            <a:endParaRPr lang="ru-RU" sz="2000" dirty="0">
-              <a:solidFill>
-                <a:schemeClr val="tx1"/>
-              </a:solidFill>
-              <a:ea typeface="Roboto"/>
-              <a:cs typeface="Roboto"/>
-              <a:sym typeface="Roboto"/>
-            </a:endParaRPr>
           </a:p>
           <a:p>
             <a:pPr marL="457200" lvl="0" indent="-355600">
@@ -22717,10 +22635,10 @@
                 <a:cs typeface="Roboto"/>
                 <a:sym typeface="Roboto"/>
               </a:rPr>
-              <a:t>нужна (очистк</a:t>
-            </a:r>
-            <a:r>
-              <a:rPr lang="ru-RU" sz="2000" dirty="0" smtClean="0">
+              <a:t>нужна (очистка, форматы, визуализация, </a:t>
+            </a:r>
+            <a:r>
+              <a:rPr lang="ru-RU" sz="2000" dirty="0" err="1" smtClean="0">
                 <a:solidFill>
                   <a:schemeClr val="tx1"/>
                 </a:solidFill>
@@ -22729,10 +22647,10 @@
                 <a:cs typeface="Roboto"/>
                 <a:sym typeface="Roboto"/>
               </a:rPr>
-              <a:t>а, форматы, визуализация, </a:t>
-            </a:r>
-            <a:r>
-              <a:rPr lang="ru-RU" sz="2000" dirty="0" err="1" smtClean="0">
+              <a:t>стат.гипотезы</a:t>
+            </a:r>
+            <a:r>
+              <a:rPr lang="ru-RU" sz="2000" dirty="0" smtClean="0">
                 <a:solidFill>
                   <a:schemeClr val="tx1"/>
                 </a:solidFill>
@@ -22741,8 +22659,27 @@
                 <a:cs typeface="Roboto"/>
                 <a:sym typeface="Roboto"/>
               </a:rPr>
-              <a:t>стат.гипотезы</a:t>
-            </a:r>
+              <a:t> …)</a:t>
+            </a:r>
+          </a:p>
+          <a:p>
+            <a:pPr marL="457200" marR="0" lvl="0" indent="-355600" algn="l" rtl="0">
+              <a:lnSpc>
+                <a:spcPct val="150000"/>
+              </a:lnSpc>
+              <a:spcBef>
+                <a:spcPts val="0"/>
+              </a:spcBef>
+              <a:spcAft>
+                <a:spcPts val="0"/>
+              </a:spcAft>
+              <a:buClr>
+                <a:schemeClr val="dk2"/>
+              </a:buClr>
+              <a:buSzPts val="2000"/>
+              <a:buFont typeface="Roboto"/>
+              <a:buChar char="○"/>
+            </a:pPr>
             <a:r>
               <a:rPr lang="ru-RU" sz="2000" dirty="0" smtClean="0">
                 <a:solidFill>
@@ -22753,38 +22690,10 @@
                 <a:cs typeface="Roboto"/>
                 <a:sym typeface="Roboto"/>
               </a:rPr>
-              <a:t> …)</a:t>
-            </a:r>
-            <a:endParaRPr lang="ru-RU" sz="2000" dirty="0" smtClean="0">
-              <a:solidFill>
-                <a:schemeClr val="tx1"/>
-              </a:solidFill>
-              <a:latin typeface="+mj-lt"/>
-              <a:ea typeface="Roboto"/>
-              <a:cs typeface="Roboto"/>
-              <a:sym typeface="Roboto"/>
-            </a:endParaRPr>
-          </a:p>
-          <a:p>
-            <a:pPr marL="457200" marR="0" lvl="0" indent="-355600" algn="l" rtl="0">
-              <a:lnSpc>
-                <a:spcPct val="150000"/>
-              </a:lnSpc>
-              <a:spcBef>
-                <a:spcPts val="0"/>
-              </a:spcBef>
-              <a:spcAft>
-                <a:spcPts val="0"/>
-              </a:spcAft>
-              <a:buClr>
-                <a:schemeClr val="dk2"/>
-              </a:buClr>
-              <a:buSzPts val="2000"/>
-              <a:buFont typeface="Roboto"/>
-              <a:buChar char="○"/>
-            </a:pPr>
-            <a:r>
-              <a:rPr lang="ru-RU" sz="2000" dirty="0" smtClean="0">
+              <a:t>Какие законодательные нормы могут быть (приватность, </a:t>
+            </a:r>
+            <a:r>
+              <a:rPr lang="ru-RU" sz="2000" dirty="0" err="1" smtClean="0">
                 <a:solidFill>
                   <a:schemeClr val="tx1"/>
                 </a:solidFill>
@@ -22793,7 +22702,7 @@
                 <a:cs typeface="Roboto"/>
                 <a:sym typeface="Roboto"/>
               </a:rPr>
-              <a:t>Какие законодательные нормы могут </a:t>
+              <a:t>конфеденциальность</a:t>
             </a:r>
             <a:r>
               <a:rPr lang="ru-RU" sz="2000" dirty="0" smtClean="0">
@@ -22805,41 +22714,8 @@
                 <a:cs typeface="Roboto"/>
                 <a:sym typeface="Roboto"/>
               </a:rPr>
-              <a:t>быть (приватность, </a:t>
-            </a:r>
-            <a:r>
-              <a:rPr lang="ru-RU" sz="2000" dirty="0" err="1" smtClean="0">
-                <a:solidFill>
-                  <a:schemeClr val="tx1"/>
-                </a:solidFill>
-                <a:latin typeface="+mj-lt"/>
-                <a:ea typeface="Roboto"/>
-                <a:cs typeface="Roboto"/>
-                <a:sym typeface="Roboto"/>
-              </a:rPr>
-              <a:t>конфеденциальность</a:t>
-            </a:r>
-            <a:r>
-              <a:rPr lang="ru-RU" sz="2000" dirty="0" smtClean="0">
-                <a:solidFill>
-                  <a:schemeClr val="tx1"/>
-                </a:solidFill>
-                <a:latin typeface="+mj-lt"/>
-                <a:ea typeface="Roboto"/>
-                <a:cs typeface="Roboto"/>
-                <a:sym typeface="Roboto"/>
-              </a:rPr>
               <a:t>, целостность)</a:t>
             </a:r>
-            <a:endParaRPr lang="ru-RU" sz="2000" dirty="0" smtClean="0">
-              <a:solidFill>
-                <a:schemeClr val="tx1"/>
-              </a:solidFill>
-              <a:latin typeface="+mj-lt"/>
-              <a:ea typeface="Roboto"/>
-              <a:cs typeface="Roboto"/>
-              <a:sym typeface="Roboto"/>
-            </a:endParaRPr>
           </a:p>
           <a:p>
             <a:pPr marL="457200" marR="0" lvl="0" indent="-355600" algn="l" rtl="0">
@@ -23016,19 +22892,7 @@
                 <a:cs typeface="Roboto"/>
                 <a:sym typeface="Roboto"/>
               </a:rPr>
-              <a:t>Какая разметка нужна</a:t>
-            </a:r>
-            <a:r>
-              <a:rPr lang="ru-RU" sz="2000" i="0" u="none" strike="noStrike" cap="none" dirty="0" smtClean="0">
-                <a:solidFill>
-                  <a:schemeClr val="tx1"/>
-                </a:solidFill>
-                <a:latin typeface="+mj-lt"/>
-                <a:ea typeface="Roboto"/>
-                <a:cs typeface="Roboto"/>
-                <a:sym typeface="Roboto"/>
-              </a:rPr>
-              <a:t>?</a:t>
+              <a:t>Какая разметка нужна?</a:t>
             </a:r>
           </a:p>
           <a:p>
@@ -23811,19 +23675,7 @@
                 <a:cs typeface="Calibri"/>
                 <a:sym typeface="Roboto Medium"/>
               </a:rPr>
-              <a:t>Эксплуатация </a:t>
-            </a:r>
-            <a:r>
-              <a:rPr lang="ru-RU" sz="4400" dirty="0" smtClean="0">
-                <a:solidFill>
-                  <a:schemeClr val="dk1"/>
-                </a:solidFill>
-                <a:latin typeface="Calibri"/>
-                <a:ea typeface="Calibri"/>
-                <a:cs typeface="Calibri"/>
-                <a:sym typeface="Roboto Medium"/>
-              </a:rPr>
-              <a:t>модели</a:t>
+              <a:t>Эксплуатация модели</a:t>
             </a:r>
             <a:endParaRPr lang="ru-RU" sz="4400" dirty="0">
               <a:solidFill>
@@ -25390,11 +25242,7 @@
           <a:p>
             <a:r>
               <a:rPr lang="ru-RU" dirty="0" smtClean="0"/>
-              <a:t>Риски </a:t>
-            </a:r>
-            <a:r>
-              <a:rPr lang="ru-RU" dirty="0" smtClean="0"/>
-              <a:t>автоматизации (</a:t>
+              <a:t>Риски автоматизации (</a:t>
             </a:r>
             <a:r>
               <a:rPr lang="en-US" dirty="0" smtClean="0"/>
@@ -25428,22 +25276,13 @@
           <a:p>
             <a:r>
               <a:rPr lang="ru-RU" dirty="0" smtClean="0"/>
-              <a:t>Риски работы </a:t>
-            </a:r>
+              <a:t>Риски работы команды</a:t>
+            </a:r>
+          </a:p>
+          <a:p>
             <a:r>
               <a:rPr lang="ru-RU" dirty="0" smtClean="0"/>
-              <a:t>команды</a:t>
-            </a:r>
-            <a:endParaRPr lang="ru-RU" dirty="0" smtClean="0"/>
-          </a:p>
-          <a:p>
-            <a:r>
-              <a:rPr lang="ru-RU" dirty="0" smtClean="0"/>
-              <a:t>Риски </a:t>
-            </a:r>
-            <a:r>
-              <a:rPr lang="ru-RU" dirty="0" smtClean="0"/>
-              <a:t>данных тренировки</a:t>
+              <a:t>Риски данных тренировки</a:t>
             </a:r>
           </a:p>
           <a:p>
@@ -26311,11 +26150,7 @@
             </a:r>
             <a:r>
               <a:rPr lang="ru-RU" dirty="0"/>
-              <a:t>– Цели </a:t>
-            </a:r>
-            <a:r>
-              <a:rPr lang="ru-RU" dirty="0"/>
-              <a:t>по </a:t>
+              <a:t>– Цели по </a:t>
             </a:r>
             <a:r>
               <a:rPr lang="ru-RU" dirty="0" smtClean="0"/>
@@ -27798,6 +27633,424 @@
 </file>
 
 <file path=ppt/slides/slide36.xml><?xml version="1.0" encoding="utf-8"?>
+<p:sld xmlns:a="http://schemas.openxmlformats.org/drawingml/2006/main" xmlns:r="http://schemas.openxmlformats.org/officeDocument/2006/relationships" xmlns:p="http://schemas.openxmlformats.org/presentationml/2006/main">
+  <p:cSld>
+    <p:spTree>
+      <p:nvGrpSpPr>
+        <p:cNvPr id="1" name=""/>
+        <p:cNvGrpSpPr/>
+        <p:nvPr/>
+      </p:nvGrpSpPr>
+      <p:grpSpPr>
+        <a:xfrm>
+          <a:off x="0" y="0"/>
+          <a:ext cx="0" cy="0"/>
+          <a:chOff x="0" y="0"/>
+          <a:chExt cx="0" cy="0"/>
+        </a:xfrm>
+      </p:grpSpPr>
+      <p:sp>
+        <p:nvSpPr>
+          <p:cNvPr id="2" name="Заголовок 1"/>
+          <p:cNvSpPr>
+            <a:spLocks noGrp="1"/>
+          </p:cNvSpPr>
+          <p:nvPr>
+            <p:ph type="title"/>
+          </p:nvPr>
+        </p:nvSpPr>
+        <p:spPr>
+          <a:xfrm>
+            <a:off x="350982" y="365126"/>
+            <a:ext cx="11002818" cy="383020"/>
+          </a:xfrm>
+        </p:spPr>
+        <p:txBody>
+          <a:bodyPr>
+            <a:normAutofit fontScale="90000"/>
+          </a:bodyPr>
+          <a:lstStyle/>
+          <a:p>
+            <a:r>
+              <a:rPr lang="ru-RU" dirty="0" smtClean="0"/>
+              <a:t>Задание 6. </a:t>
+            </a:r>
+            <a:r>
+              <a:rPr lang="ru-RU" dirty="0" err="1" smtClean="0"/>
+              <a:t>Монторинг</a:t>
+            </a:r>
+            <a:endParaRPr lang="ru-RU" dirty="0"/>
+          </a:p>
+        </p:txBody>
+      </p:sp>
+      <p:sp>
+        <p:nvSpPr>
+          <p:cNvPr id="3" name="Текст 2"/>
+          <p:cNvSpPr>
+            <a:spLocks noGrp="1"/>
+          </p:cNvSpPr>
+          <p:nvPr>
+            <p:ph type="body" idx="1"/>
+          </p:nvPr>
+        </p:nvSpPr>
+        <p:spPr>
+          <a:xfrm>
+            <a:off x="350982" y="905164"/>
+            <a:ext cx="11536218" cy="5271799"/>
+          </a:xfrm>
+        </p:spPr>
+        <p:txBody>
+          <a:bodyPr/>
+          <a:lstStyle/>
+          <a:p>
+            <a:r>
+              <a:rPr lang="ru-RU" dirty="0" smtClean="0"/>
+              <a:t>Предусмотреть мониторинг нужного вида (уровня) в системе.</a:t>
+            </a:r>
+          </a:p>
+          <a:p>
+            <a:r>
+              <a:rPr lang="ru-RU" dirty="0"/>
+              <a:t>Определить </a:t>
+            </a:r>
+            <a:r>
+              <a:rPr lang="ru-RU" dirty="0" smtClean="0"/>
+              <a:t>факторы\метрики, </a:t>
+            </a:r>
+            <a:r>
+              <a:rPr lang="ru-RU" dirty="0"/>
+              <a:t>требующие мониторинга </a:t>
+            </a:r>
+            <a:endParaRPr lang="ru-RU" dirty="0" smtClean="0"/>
+          </a:p>
+          <a:p>
+            <a:r>
+              <a:rPr lang="ru-RU" dirty="0" smtClean="0"/>
+              <a:t>Определить стратегию тестирования модели при обучении, вводе в эксплуатацию, замене \</a:t>
+            </a:r>
+            <a:r>
+              <a:rPr lang="ru-RU" dirty="0" err="1" smtClean="0"/>
+              <a:t>дообучении</a:t>
+            </a:r>
+            <a:r>
+              <a:rPr lang="ru-RU" dirty="0" smtClean="0"/>
+              <a:t> и </a:t>
+            </a:r>
+            <a:r>
+              <a:rPr lang="ru-RU" dirty="0" err="1" smtClean="0"/>
+              <a:t>тд</a:t>
+            </a:r>
+            <a:endParaRPr lang="ru-RU" dirty="0" smtClean="0"/>
+          </a:p>
+          <a:p>
+            <a:endParaRPr lang="ru-RU" dirty="0" smtClean="0"/>
+          </a:p>
+          <a:p>
+            <a:endParaRPr lang="ru-RU" dirty="0"/>
+          </a:p>
+        </p:txBody>
+      </p:sp>
+    </p:spTree>
+    <p:extLst>
+      <p:ext uri="{BB962C8B-B14F-4D97-AF65-F5344CB8AC3E}">
+        <p14:creationId xmlns:p14="http://schemas.microsoft.com/office/powerpoint/2010/main" val="932462776"/>
+      </p:ext>
+    </p:extLst>
+  </p:cSld>
+  <p:clrMapOvr>
+    <a:masterClrMapping/>
+  </p:clrMapOvr>
+  <p:timing>
+    <p:tnLst>
+      <p:par>
+        <p:cTn id="1" dur="indefinite" restart="never" nodeType="tmRoot"/>
+      </p:par>
+    </p:tnLst>
+  </p:timing>
+</p:sld>
+</file>
+
+<file path=ppt/slides/slide37.xml><?xml version="1.0" encoding="utf-8"?>
+<p:sld xmlns:a="http://schemas.openxmlformats.org/drawingml/2006/main" xmlns:r="http://schemas.openxmlformats.org/officeDocument/2006/relationships" xmlns:p="http://schemas.openxmlformats.org/presentationml/2006/main">
+  <p:cSld>
+    <p:spTree>
+      <p:nvGrpSpPr>
+        <p:cNvPr id="1" name=""/>
+        <p:cNvGrpSpPr/>
+        <p:nvPr/>
+      </p:nvGrpSpPr>
+      <p:grpSpPr>
+        <a:xfrm>
+          <a:off x="0" y="0"/>
+          <a:ext cx="0" cy="0"/>
+          <a:chOff x="0" y="0"/>
+          <a:chExt cx="0" cy="0"/>
+        </a:xfrm>
+      </p:grpSpPr>
+      <p:sp>
+        <p:nvSpPr>
+          <p:cNvPr id="2" name="Заголовок 1"/>
+          <p:cNvSpPr>
+            <a:spLocks noGrp="1"/>
+          </p:cNvSpPr>
+          <p:nvPr>
+            <p:ph type="title"/>
+          </p:nvPr>
+        </p:nvSpPr>
+        <p:spPr>
+          <a:xfrm>
+            <a:off x="101600" y="365125"/>
+            <a:ext cx="11252200" cy="600075"/>
+          </a:xfrm>
+        </p:spPr>
+        <p:txBody>
+          <a:bodyPr>
+            <a:normAutofit fontScale="90000"/>
+          </a:bodyPr>
+          <a:lstStyle/>
+          <a:p>
+            <a:r>
+              <a:rPr lang="ru-RU" dirty="0" smtClean="0"/>
+              <a:t>Особенности мониторинга</a:t>
+            </a:r>
+            <a:endParaRPr lang="ru-RU" dirty="0"/>
+          </a:p>
+        </p:txBody>
+      </p:sp>
+      <p:sp>
+        <p:nvSpPr>
+          <p:cNvPr id="3" name="Текст 2"/>
+          <p:cNvSpPr>
+            <a:spLocks noGrp="1"/>
+          </p:cNvSpPr>
+          <p:nvPr>
+            <p:ph type="body" idx="1"/>
+          </p:nvPr>
+        </p:nvSpPr>
+        <p:spPr>
+          <a:xfrm>
+            <a:off x="101600" y="965200"/>
+            <a:ext cx="11506200" cy="5600700"/>
+          </a:xfrm>
+        </p:spPr>
+        <p:txBody>
+          <a:bodyPr>
+            <a:normAutofit lnSpcReduction="10000"/>
+          </a:bodyPr>
+          <a:lstStyle/>
+          <a:p>
+            <a:r>
+              <a:rPr lang="ru-RU" dirty="0" smtClean="0"/>
+              <a:t>Какой уровень мониторинга нужен с точки </a:t>
+            </a:r>
+            <a:r>
+              <a:rPr lang="ru-RU" dirty="0" err="1" smtClean="0"/>
+              <a:t>зр</a:t>
+            </a:r>
+            <a:r>
+              <a:rPr lang="ru-RU" dirty="0" smtClean="0"/>
+              <a:t>. Бюджета нагрузки и </a:t>
+            </a:r>
+            <a:r>
+              <a:rPr lang="ru-RU" dirty="0" err="1" smtClean="0"/>
+              <a:t>тд</a:t>
+            </a:r>
+            <a:r>
+              <a:rPr lang="ru-RU" dirty="0" smtClean="0"/>
+              <a:t> (</a:t>
+            </a:r>
+            <a:r>
+              <a:rPr lang="ru-RU" dirty="0" err="1" smtClean="0"/>
+              <a:t>логи</a:t>
+            </a:r>
+            <a:r>
+              <a:rPr lang="ru-RU" dirty="0" smtClean="0"/>
+              <a:t>, </a:t>
+            </a:r>
+            <a:r>
+              <a:rPr lang="ru-RU" dirty="0" err="1" smtClean="0"/>
+              <a:t>альреты</a:t>
+            </a:r>
+            <a:r>
+              <a:rPr lang="ru-RU" dirty="0" smtClean="0"/>
+              <a:t>, постоянный мониторинг)</a:t>
+            </a:r>
+          </a:p>
+          <a:p>
+            <a:r>
+              <a:rPr lang="ru-RU" dirty="0" smtClean="0"/>
+              <a:t>Какие цели могут решаться мониторингом модели (построение </a:t>
+            </a:r>
+            <a:r>
+              <a:rPr lang="en-US" dirty="0" smtClean="0"/>
+              <a:t>continual learning, </a:t>
+            </a:r>
+            <a:r>
+              <a:rPr lang="ru-RU" dirty="0" smtClean="0"/>
+              <a:t>тестирование модели на </a:t>
+            </a:r>
+            <a:r>
+              <a:rPr lang="ru-RU" dirty="0" err="1" smtClean="0"/>
+              <a:t>дообучение</a:t>
+            </a:r>
+            <a:r>
+              <a:rPr lang="ru-RU" dirty="0" smtClean="0"/>
+              <a:t>, </a:t>
+            </a:r>
+            <a:r>
+              <a:rPr lang="ru-RU" dirty="0" err="1" smtClean="0"/>
+              <a:t>досбор</a:t>
+            </a:r>
+            <a:r>
+              <a:rPr lang="ru-RU" dirty="0" smtClean="0"/>
+              <a:t> данных, аномалии,  </a:t>
+            </a:r>
+            <a:r>
+              <a:rPr lang="ru-RU" dirty="0" err="1" smtClean="0"/>
+              <a:t>инцеденты</a:t>
+            </a:r>
+            <a:r>
+              <a:rPr lang="ru-RU" dirty="0" smtClean="0"/>
+              <a:t> и </a:t>
+            </a:r>
+            <a:r>
+              <a:rPr lang="ru-RU" dirty="0" err="1" smtClean="0"/>
+              <a:t>тд</a:t>
+            </a:r>
+            <a:r>
+              <a:rPr lang="en-US" dirty="0" smtClean="0"/>
+              <a:t>)</a:t>
+            </a:r>
+            <a:endParaRPr lang="ru-RU" dirty="0" smtClean="0"/>
+          </a:p>
+          <a:p>
+            <a:r>
+              <a:rPr lang="ru-RU" dirty="0" smtClean="0"/>
+              <a:t>Как тестировать модель (ранее тест., </a:t>
+            </a:r>
+            <a:r>
+              <a:rPr lang="en-US" dirty="0" smtClean="0"/>
+              <a:t>A\B </a:t>
+            </a:r>
+            <a:r>
+              <a:rPr lang="ru-RU" dirty="0" smtClean="0"/>
+              <a:t>и </a:t>
+            </a:r>
+            <a:r>
+              <a:rPr lang="ru-RU" dirty="0" err="1" smtClean="0"/>
+              <a:t>тд</a:t>
+            </a:r>
+            <a:r>
+              <a:rPr lang="ru-RU" dirty="0" smtClean="0"/>
+              <a:t>) по каким метрикам.</a:t>
+            </a:r>
+            <a:r>
+              <a:rPr lang="en-US" dirty="0" smtClean="0"/>
+              <a:t> </a:t>
+            </a:r>
+            <a:endParaRPr lang="ru-RU" dirty="0" smtClean="0"/>
+          </a:p>
+          <a:p>
+            <a:r>
+              <a:rPr lang="ru-RU" dirty="0"/>
+              <a:t>Какие цели могут решаться </a:t>
+            </a:r>
+            <a:r>
+              <a:rPr lang="ru-RU" dirty="0" smtClean="0"/>
+              <a:t>операционным мониторингом (ошибки железа, построение </a:t>
+            </a:r>
+            <a:r>
+              <a:rPr lang="en-US" dirty="0" smtClean="0"/>
+              <a:t>CI/CD, </a:t>
+            </a:r>
+            <a:r>
+              <a:rPr lang="ru-RU" dirty="0" err="1" smtClean="0"/>
+              <a:t>авторазметка</a:t>
+            </a:r>
+            <a:r>
+              <a:rPr lang="ru-RU" dirty="0" smtClean="0"/>
+              <a:t> данных, защита и </a:t>
+            </a:r>
+            <a:r>
+              <a:rPr lang="ru-RU" dirty="0" err="1" smtClean="0"/>
+              <a:t>тд</a:t>
+            </a:r>
+            <a:r>
+              <a:rPr lang="ru-RU" dirty="0" smtClean="0"/>
+              <a:t>)</a:t>
+            </a:r>
+          </a:p>
+          <a:p>
+            <a:r>
+              <a:rPr lang="ru-RU" dirty="0"/>
+              <a:t>Какие цели могут решаться </a:t>
+            </a:r>
+            <a:r>
+              <a:rPr lang="en-US" dirty="0" smtClean="0"/>
+              <a:t>BI </a:t>
+            </a:r>
+            <a:r>
+              <a:rPr lang="ru-RU" dirty="0" smtClean="0"/>
+              <a:t>мониторингом (замена, необходимость: модель, железо, данные и </a:t>
+            </a:r>
+            <a:r>
+              <a:rPr lang="ru-RU" dirty="0" err="1" smtClean="0"/>
+              <a:t>тд</a:t>
+            </a:r>
+            <a:r>
+              <a:rPr lang="ru-RU" dirty="0" smtClean="0"/>
+              <a:t>)</a:t>
+            </a:r>
+          </a:p>
+          <a:p>
+            <a:r>
+              <a:rPr lang="ru-RU" dirty="0" smtClean="0"/>
+              <a:t>Какие типичные </a:t>
+            </a:r>
+            <a:r>
+              <a:rPr lang="ru-RU" dirty="0" err="1" smtClean="0"/>
+              <a:t>инцеденты</a:t>
+            </a:r>
+            <a:r>
+              <a:rPr lang="ru-RU" dirty="0" smtClean="0"/>
+              <a:t> могут произойти (сдвиги данных, ошибки работы модели, концепции, разметки, утечки данных </a:t>
+            </a:r>
+            <a:r>
+              <a:rPr lang="en-US" dirty="0" smtClean="0"/>
+              <a:t>(data leaks), </a:t>
+            </a:r>
+            <a:r>
+              <a:rPr lang="ru-RU" dirty="0" smtClean="0"/>
+              <a:t>заражения и атаки)</a:t>
+            </a:r>
+            <a:endParaRPr lang="ru-RU" dirty="0"/>
+          </a:p>
+          <a:p>
+            <a:endParaRPr lang="ru-RU" dirty="0"/>
+          </a:p>
+        </p:txBody>
+      </p:sp>
+    </p:spTree>
+    <p:extLst>
+      <p:ext uri="{BB962C8B-B14F-4D97-AF65-F5344CB8AC3E}">
+        <p14:creationId xmlns:p14="http://schemas.microsoft.com/office/powerpoint/2010/main" val="2558530528"/>
+      </p:ext>
+    </p:extLst>
+  </p:cSld>
+  <p:clrMapOvr>
+    <a:masterClrMapping/>
+  </p:clrMapOvr>
+  <p:timing>
+    <p:tnLst>
+      <p:par>
+        <p:cTn id="1" dur="indefinite" restart="never" nodeType="tmRoot"/>
+      </p:par>
+    </p:tnLst>
+  </p:timing>
+</p:sld>
+</file>
+
+<file path=ppt/slides/slide38.xml><?xml version="1.0" encoding="utf-8"?>
 <p:sld xmlns:a="http://schemas.openxmlformats.org/drawingml/2006/main" xmlns:r="http://schemas.openxmlformats.org/officeDocument/2006/relationships" xmlns:p="http://schemas.openxmlformats.org/presentationml/2006/main" show="0">
   <p:cSld>
     <p:spTree>
@@ -27910,7 +28163,7 @@
             <a:graphicData uri="http://schemas.openxmlformats.org/presentationml/2006/ole">
               <mc:AlternateContent xmlns:mc="http://schemas.openxmlformats.org/markup-compatibility/2006">
                 <mc:Choice xmlns:v="urn:schemas-microsoft-com:vml" Requires="v">
-                  <p:oleObj spid="_x0000_s2062" name="CorelDRAW" r:id="rId4" imgW="2566457" imgH="894201" progId="CorelDraw.Graphic.22">
+                  <p:oleObj spid="_x0000_s2065" name="CorelDRAW" r:id="rId4" imgW="2566457" imgH="894201" progId="CorelDraw.Graphic.22">
                     <p:embed/>
                   </p:oleObj>
                 </mc:Choice>
@@ -28912,11 +29165,11 @@
   <p:clrMapOvr>
     <a:masterClrMapping/>
   </p:clrMapOvr>
-  <mc:AlternateContent xmlns:mc="http://schemas.openxmlformats.org/markup-compatibility/2006">
-    <mc:Choice xmlns:p14="http://schemas.microsoft.com/office/powerpoint/2010/main" Requires="p14">
+  <mc:AlternateContent xmlns:mc="http://schemas.openxmlformats.org/markup-compatibility/2006" xmlns:p14="http://schemas.microsoft.com/office/powerpoint/2010/main">
+    <mc:Choice Requires="p14">
       <p:transition spd="slow" p14:dur="2000"/>
     </mc:Choice>
-    <mc:Fallback>
+    <mc:Fallback xmlns="">
       <p:transition spd="slow"/>
     </mc:Fallback>
   </mc:AlternateContent>
@@ -28930,7 +29183,7 @@
 </p:sld>
 </file>
 
-<file path=ppt/slides/slide37.xml><?xml version="1.0" encoding="utf-8"?>
+<file path=ppt/slides/slide39.xml><?xml version="1.0" encoding="utf-8"?>
 <p:sld xmlns:a="http://schemas.openxmlformats.org/drawingml/2006/main" xmlns:r="http://schemas.openxmlformats.org/officeDocument/2006/relationships" xmlns:p="http://schemas.openxmlformats.org/presentationml/2006/main" show="0">
   <p:cSld>
     <p:spTree>
@@ -29014,15 +29267,6 @@
               </a:rPr>
               <a:t>Доменные/продуктовые  метрики есть и как их измерить </a:t>
             </a:r>
-            <a:endParaRPr lang="ru-RU" sz="2700" b="1" dirty="0">
-              <a:solidFill>
-                <a:schemeClr val="tx1"/>
-              </a:solidFill>
-              <a:latin typeface="Roboto"/>
-              <a:ea typeface="Roboto"/>
-              <a:cs typeface="Roboto"/>
-              <a:sym typeface="Roboto Medium"/>
-            </a:endParaRPr>
           </a:p>
         </p:txBody>
       </p:sp>
@@ -29909,11 +30153,11 @@
   <p:clrMapOvr>
     <a:masterClrMapping/>
   </p:clrMapOvr>
-  <mc:AlternateContent xmlns:mc="http://schemas.openxmlformats.org/markup-compatibility/2006">
-    <mc:Choice xmlns:p14="http://schemas.microsoft.com/office/powerpoint/2010/main" Requires="p14">
+  <mc:AlternateContent xmlns:mc="http://schemas.openxmlformats.org/markup-compatibility/2006" xmlns:p14="http://schemas.microsoft.com/office/powerpoint/2010/main">
+    <mc:Choice Requires="p14">
       <p:transition spd="slow" p14:dur="2000"/>
     </mc:Choice>
-    <mc:Fallback>
+    <mc:Fallback xmlns="">
       <p:transition spd="slow"/>
     </mc:Fallback>
   </mc:AlternateContent>
@@ -32592,14 +32836,6 @@
               </a:rPr>
               <a:t>Цель и предпосылки к проекту</a:t>
             </a:r>
-            <a:endParaRPr lang="ru-RU" sz="2700" b="1" dirty="0">
-              <a:solidFill>
-                <a:schemeClr val="tx1"/>
-              </a:solidFill>
-              <a:latin typeface="Roboto"/>
-              <a:ea typeface="Roboto"/>
-              <a:cs typeface="Roboto"/>
-            </a:endParaRPr>
           </a:p>
         </p:txBody>
       </p:sp>
@@ -33082,11 +33318,6 @@
               </a:rPr>
               <a:t>Вариант 1</a:t>
             </a:r>
-            <a:endParaRPr lang="ru-RU" sz="2800" dirty="0">
-              <a:solidFill>
-                <a:srgbClr val="C00000"/>
-              </a:solidFill>
-            </a:endParaRPr>
           </a:p>
         </p:txBody>
       </p:sp>
@@ -33160,14 +33391,6 @@
               </a:rPr>
               <a:t>Цель и предпосылки к проекту</a:t>
             </a:r>
-            <a:endParaRPr lang="ru-RU" sz="2700" b="1" dirty="0">
-              <a:solidFill>
-                <a:schemeClr val="tx1"/>
-              </a:solidFill>
-              <a:latin typeface="Roboto"/>
-              <a:ea typeface="Roboto"/>
-              <a:cs typeface="Roboto"/>
-            </a:endParaRPr>
           </a:p>
         </p:txBody>
       </p:sp>
@@ -33623,11 +33846,6 @@
               </a:rPr>
               <a:t>Вариант 1</a:t>
             </a:r>
-            <a:endParaRPr lang="ru-RU" sz="2800" dirty="0">
-              <a:solidFill>
-                <a:srgbClr val="C00000"/>
-              </a:solidFill>
-            </a:endParaRPr>
           </a:p>
         </p:txBody>
       </p:sp>
@@ -34422,11 +34640,6 @@
               </a:rPr>
               <a:t>Вариант 2</a:t>
             </a:r>
-            <a:endParaRPr lang="ru-RU" sz="2800" dirty="0">
-              <a:solidFill>
-                <a:srgbClr val="C00000"/>
-              </a:solidFill>
-            </a:endParaRPr>
           </a:p>
         </p:txBody>
       </p:sp>
